--- a/quad.pptx
+++ b/quad.pptx
@@ -288,7 +288,7 @@
           <a:p>
             <a:fld id="{3B9EDB95-DBC9-BF4A-B1D2-9EC38711FE21}" type="datetimeFigureOut">
               <a:rPr lang="en-US" smtClean="0"/>
-              <a:t>10/5/15</a:t>
+              <a:t>10/6/15</a:t>
             </a:fld>
             <a:endParaRPr lang="en-US"/>
           </a:p>
@@ -458,7 +458,7 @@
           <a:p>
             <a:fld id="{3B9EDB95-DBC9-BF4A-B1D2-9EC38711FE21}" type="datetimeFigureOut">
               <a:rPr lang="en-US" smtClean="0"/>
-              <a:t>10/5/15</a:t>
+              <a:t>10/6/15</a:t>
             </a:fld>
             <a:endParaRPr lang="en-US"/>
           </a:p>
@@ -638,7 +638,7 @@
           <a:p>
             <a:fld id="{3B9EDB95-DBC9-BF4A-B1D2-9EC38711FE21}" type="datetimeFigureOut">
               <a:rPr lang="en-US" smtClean="0"/>
-              <a:t>10/5/15</a:t>
+              <a:t>10/6/15</a:t>
             </a:fld>
             <a:endParaRPr lang="en-US"/>
           </a:p>
@@ -808,7 +808,7 @@
           <a:p>
             <a:fld id="{3B9EDB95-DBC9-BF4A-B1D2-9EC38711FE21}" type="datetimeFigureOut">
               <a:rPr lang="en-US" smtClean="0"/>
-              <a:t>10/5/15</a:t>
+              <a:t>10/6/15</a:t>
             </a:fld>
             <a:endParaRPr lang="en-US"/>
           </a:p>
@@ -1054,7 +1054,7 @@
           <a:p>
             <a:fld id="{3B9EDB95-DBC9-BF4A-B1D2-9EC38711FE21}" type="datetimeFigureOut">
               <a:rPr lang="en-US" smtClean="0"/>
-              <a:t>10/5/15</a:t>
+              <a:t>10/6/15</a:t>
             </a:fld>
             <a:endParaRPr lang="en-US"/>
           </a:p>
@@ -1342,7 +1342,7 @@
           <a:p>
             <a:fld id="{3B9EDB95-DBC9-BF4A-B1D2-9EC38711FE21}" type="datetimeFigureOut">
               <a:rPr lang="en-US" smtClean="0"/>
-              <a:t>10/5/15</a:t>
+              <a:t>10/6/15</a:t>
             </a:fld>
             <a:endParaRPr lang="en-US"/>
           </a:p>
@@ -1764,7 +1764,7 @@
           <a:p>
             <a:fld id="{3B9EDB95-DBC9-BF4A-B1D2-9EC38711FE21}" type="datetimeFigureOut">
               <a:rPr lang="en-US" smtClean="0"/>
-              <a:t>10/5/15</a:t>
+              <a:t>10/6/15</a:t>
             </a:fld>
             <a:endParaRPr lang="en-US"/>
           </a:p>
@@ -1882,7 +1882,7 @@
           <a:p>
             <a:fld id="{3B9EDB95-DBC9-BF4A-B1D2-9EC38711FE21}" type="datetimeFigureOut">
               <a:rPr lang="en-US" smtClean="0"/>
-              <a:t>10/5/15</a:t>
+              <a:t>10/6/15</a:t>
             </a:fld>
             <a:endParaRPr lang="en-US"/>
           </a:p>
@@ -1977,7 +1977,7 @@
           <a:p>
             <a:fld id="{3B9EDB95-DBC9-BF4A-B1D2-9EC38711FE21}" type="datetimeFigureOut">
               <a:rPr lang="en-US" smtClean="0"/>
-              <a:t>10/5/15</a:t>
+              <a:t>10/6/15</a:t>
             </a:fld>
             <a:endParaRPr lang="en-US"/>
           </a:p>
@@ -2254,7 +2254,7 @@
           <a:p>
             <a:fld id="{3B9EDB95-DBC9-BF4A-B1D2-9EC38711FE21}" type="datetimeFigureOut">
               <a:rPr lang="en-US" smtClean="0"/>
-              <a:t>10/5/15</a:t>
+              <a:t>10/6/15</a:t>
             </a:fld>
             <a:endParaRPr lang="en-US"/>
           </a:p>
@@ -2507,7 +2507,7 @@
           <a:p>
             <a:fld id="{3B9EDB95-DBC9-BF4A-B1D2-9EC38711FE21}" type="datetimeFigureOut">
               <a:rPr lang="en-US" smtClean="0"/>
-              <a:t>10/5/15</a:t>
+              <a:t>10/6/15</a:t>
             </a:fld>
             <a:endParaRPr lang="en-US"/>
           </a:p>
@@ -2720,7 +2720,7 @@
           <a:p>
             <a:fld id="{3B9EDB95-DBC9-BF4A-B1D2-9EC38711FE21}" type="datetimeFigureOut">
               <a:rPr lang="en-US" smtClean="0"/>
-              <a:t>10/5/15</a:t>
+              <a:t>10/6/15</a:t>
             </a:fld>
             <a:endParaRPr lang="en-US"/>
           </a:p>
@@ -3102,9 +3102,9 @@
           <p:nvPr/>
         </p:nvCxnSpPr>
         <p:spPr>
-          <a:xfrm>
-            <a:off x="4555607" y="771702"/>
-            <a:ext cx="0" cy="6269224"/>
+          <a:xfrm flipH="1">
+            <a:off x="4593526" y="590257"/>
+            <a:ext cx="28057" cy="6502804"/>
           </a:xfrm>
           <a:prstGeom prst="line">
             <a:avLst/>
@@ -3138,7 +3138,7 @@
         </p:nvCxnSpPr>
         <p:spPr>
           <a:xfrm>
-            <a:off x="-814487" y="3465240"/>
+            <a:off x="-814487" y="3498230"/>
             <a:ext cx="10988675" cy="0"/>
           </a:xfrm>
           <a:prstGeom prst="line">
@@ -3327,8 +3327,8 @@
         </p:nvSpPr>
         <p:spPr>
           <a:xfrm>
-            <a:off x="4593526" y="3502696"/>
-            <a:ext cx="4593287" cy="3093154"/>
+            <a:off x="4593526" y="3469706"/>
+            <a:ext cx="4593287" cy="3323987"/>
           </a:xfrm>
           <a:prstGeom prst="rect">
             <a:avLst/>
@@ -3381,14 +3381,22 @@
             <a:br>
               <a:rPr lang="en-US" sz="1500" dirty="0" smtClean="0"/>
             </a:br>
-            <a:r>
-              <a:rPr lang="en-US" sz="3000" b="1" dirty="0">
+            <a:endParaRPr lang="en-US" sz="1500" dirty="0" smtClean="0"/>
+          </a:p>
+          <a:p>
+            <a:r>
+              <a:rPr lang="en-US" sz="3000" b="1" dirty="0" smtClean="0">
                 <a:solidFill>
                   <a:srgbClr val="FF0000"/>
                 </a:solidFill>
               </a:rPr>
               <a:t>WHO</a:t>
             </a:r>
+            <a:endParaRPr lang="en-US" sz="3000" b="1" dirty="0">
+              <a:solidFill>
+                <a:srgbClr val="FF0000"/>
+              </a:solidFill>
+            </a:endParaRPr>
           </a:p>
           <a:p>
             <a:r>
@@ -3605,8 +3613,8 @@
         </p:nvSpPr>
         <p:spPr>
           <a:xfrm>
-            <a:off x="83465" y="3644556"/>
-            <a:ext cx="4382949" cy="3093154"/>
+            <a:off x="83466" y="3446616"/>
+            <a:ext cx="4429328" cy="3323987"/>
           </a:xfrm>
           <a:prstGeom prst="rect">
             <a:avLst/>
@@ -3634,13 +3642,49 @@
             </a:endParaRPr>
           </a:p>
           <a:p>
+            <a:r>
+              <a:rPr lang="en-US" sz="1500" dirty="0" smtClean="0"/>
+              <a:t>JPF= Java Pathfinder = model exploration tool.</a:t>
+            </a:r>
+          </a:p>
+          <a:p>
+            <a:r>
+              <a:rPr lang="en-US" sz="1500" dirty="0" smtClean="0"/>
+              <a:t>GALE= </a:t>
+            </a:r>
+            <a:r>
+              <a:rPr lang="en-US" sz="1500" dirty="0" smtClean="0"/>
+              <a:t>optimizers</a:t>
+            </a:r>
+            <a:r>
+              <a:rPr lang="en-US" sz="1500" dirty="0" smtClean="0"/>
+              <a:t>. </a:t>
+            </a:r>
+            <a:r>
+              <a:rPr lang="en-US" sz="1500" dirty="0" smtClean="0"/>
+              <a:t>Like a </a:t>
+            </a:r>
+            <a:r>
+              <a:rPr lang="en-US" sz="1500" dirty="0" smtClean="0"/>
+              <a:t>smart pilot controlling a craft</a:t>
+            </a:r>
+            <a:r>
+              <a:rPr lang="en-US" sz="1500" dirty="0" smtClean="0"/>
+              <a:t>.</a:t>
+            </a:r>
+            <a:br>
+              <a:rPr lang="en-US" sz="1500" dirty="0" smtClean="0"/>
+            </a:br>
+            <a:endParaRPr lang="en-US" sz="1500" dirty="0" smtClean="0"/>
+          </a:p>
+          <a:p>
             <a:pPr marL="285750" indent="-285750">
               <a:buFont typeface="Arial"/>
               <a:buChar char="•"/>
             </a:pPr>
             <a:r>
               <a:rPr lang="en-US" sz="1500" dirty="0" smtClean="0"/>
-              <a:t>JPF= Java Pathfinder = model exploration tool.</a:t>
+              <a:t>Step1: Run GALE to find rational decisions.</a:t>
             </a:r>
           </a:p>
           <a:p>
@@ -3650,7 +3694,7 @@
             </a:pPr>
             <a:r>
               <a:rPr lang="en-US" sz="1500" dirty="0" smtClean="0"/>
-              <a:t>GALE= fast heuristic optimizers. Emulates a smart pilot controlling a craft.</a:t>
+              <a:t>Step2: Run JPF for a few steps, constrained to regions found by GALE.</a:t>
             </a:r>
           </a:p>
           <a:p>
@@ -3660,7 +3704,27 @@
             </a:pPr>
             <a:r>
               <a:rPr lang="en-US" sz="1500" dirty="0" smtClean="0"/>
-              <a:t>Step1: Run GALE to find rational decisions.</a:t>
+              <a:t>Step3: Unleash JPF on regions accepted by Step2</a:t>
+            </a:r>
+            <a:r>
+              <a:rPr lang="en-US" sz="1500" dirty="0" smtClean="0"/>
+              <a:t>.</a:t>
+            </a:r>
+          </a:p>
+          <a:p>
+            <a:endParaRPr lang="en-US" sz="1500" dirty="0"/>
+          </a:p>
+          <a:p>
+            <a:r>
+              <a:rPr lang="en-US" sz="1500" dirty="0" smtClean="0"/>
+              <a:t> If JPF finds counter-examples, use GALE </a:t>
+            </a:r>
+            <a:br>
+              <a:rPr lang="en-US" sz="1500" dirty="0" smtClean="0"/>
+            </a:br>
+            <a:r>
+              <a:rPr lang="en-US" sz="1500" dirty="0" smtClean="0"/>
+              <a:t>to find mitigation strategies </a:t>
             </a:r>
           </a:p>
           <a:p>
@@ -3670,52 +3734,8 @@
             </a:pPr>
             <a:r>
               <a:rPr lang="en-US" sz="1500" dirty="0" smtClean="0"/>
-              <a:t>Step2: Run JPF for a few steps, constrained to regions found by GALE.</a:t>
-            </a:r>
-          </a:p>
-          <a:p>
-            <a:pPr marL="285750" indent="-285750">
-              <a:buFont typeface="Arial"/>
-              <a:buChar char="•"/>
-            </a:pPr>
-            <a:r>
-              <a:rPr lang="en-US" sz="1500" dirty="0" smtClean="0"/>
-              <a:t>Step3: U</a:t>
-            </a:r>
-            <a:r>
-              <a:rPr lang="en-US" sz="1500" dirty="0" smtClean="0"/>
-              <a:t>nleash JPF on </a:t>
-            </a:r>
-            <a:r>
-              <a:rPr lang="en-US" sz="1500" dirty="0" smtClean="0"/>
-              <a:t>regions accepted by Step2.</a:t>
-            </a:r>
-          </a:p>
-          <a:p>
-            <a:pPr marL="285750" indent="-285750">
-              <a:buFont typeface="Arial"/>
-              <a:buChar char="•"/>
-            </a:pPr>
-            <a:r>
-              <a:rPr lang="en-US" sz="1500" dirty="0" smtClean="0"/>
-              <a:t>And can we do better that Step  1,2,3?</a:t>
-            </a:r>
-          </a:p>
-          <a:p>
-            <a:pPr marL="742950" lvl="1" indent="-285750">
-              <a:buFont typeface="Arial"/>
-              <a:buChar char="•"/>
-            </a:pPr>
-            <a:r>
-              <a:rPr lang="en-US" sz="1500" dirty="0" smtClean="0"/>
-              <a:t>How to use signals collected from analysis tool1 to help complex analysis tool2?</a:t>
-            </a:r>
-          </a:p>
-          <a:p>
-            <a:pPr marL="285750" indent="-285750">
-              <a:buFont typeface="Arial"/>
-              <a:buChar char="•"/>
-            </a:pPr>
+              <a:t>Step 4: run GALE with the constraint that it should strive to avoid counter-example states.</a:t>
+            </a:r>
             <a:endParaRPr lang="en-US" sz="1500" dirty="0"/>
           </a:p>
         </p:txBody>

--- a/quad.pptx
+++ b/quad.pptx
@@ -3103,7 +3103,7 @@
         </p:nvCxnSpPr>
         <p:spPr>
           <a:xfrm flipH="1">
-            <a:off x="4593526" y="590257"/>
+            <a:off x="4593526" y="691857"/>
             <a:ext cx="28057" cy="6502804"/>
           </a:xfrm>
           <a:prstGeom prst="line">
@@ -3203,7 +3203,7 @@
         </p:nvSpPr>
         <p:spPr>
           <a:xfrm>
-            <a:off x="4618341" y="537501"/>
+            <a:off x="4618341" y="608621"/>
             <a:ext cx="4382949" cy="2954655"/>
           </a:xfrm>
           <a:prstGeom prst="rect">
@@ -3472,7 +3472,11 @@
             </a:r>
             <a:r>
               <a:rPr lang="en-US" sz="1500" dirty="0" smtClean="0"/>
-              <a:t> = experienced modeler of pilot systems </a:t>
+              <a:t> = experienced modeler of pilot </a:t>
+            </a:r>
+            <a:r>
+              <a:rPr lang="en-US" sz="1500" dirty="0" smtClean="0"/>
+              <a:t>systems at NASA </a:t>
             </a:r>
             <a:endParaRPr lang="en-US" sz="1500" dirty="0"/>
           </a:p>
@@ -3547,8 +3551,8 @@
         </p:blipFill>
         <p:spPr>
           <a:xfrm>
-            <a:off x="84522" y="559057"/>
-            <a:ext cx="4428272" cy="2864538"/>
+            <a:off x="233680" y="681833"/>
+            <a:ext cx="4238474" cy="2741762"/>
           </a:xfrm>
           <a:prstGeom prst="rect">
             <a:avLst/>
@@ -3563,8 +3567,8 @@
         </p:nvSpPr>
         <p:spPr>
           <a:xfrm>
-            <a:off x="741573" y="-15929"/>
-            <a:ext cx="7617966" cy="544765"/>
+            <a:off x="862370" y="30480"/>
+            <a:ext cx="7462312" cy="609398"/>
           </a:xfrm>
           <a:prstGeom prst="rect">
             <a:avLst/>
@@ -3579,15 +3583,26 @@
           <a:p>
             <a:pPr algn="ctr">
               <a:lnSpc>
-                <a:spcPct val="80000"/>
+                <a:spcPct val="60000"/>
               </a:lnSpc>
             </a:pPr>
             <a:r>
-              <a:rPr lang="en-US" b="1" dirty="0" smtClean="0"/>
-              <a:t>NASA INNOVATIVE ADVANCED CONCEPTS (NIAC):  NNH15ZOA0001N. PHASE I</a:t>
+              <a:rPr lang="en-US" dirty="0" smtClean="0"/>
+              <a:t>NASA INNOVATIVE ADVANCED CONCEPTS (NIAC):  NNH15ZOA0001N. PHASE </a:t>
+            </a:r>
+            <a:r>
+              <a:rPr lang="en-US" dirty="0" smtClean="0"/>
+              <a:t>I</a:t>
             </a:r>
             <a:br>
-              <a:rPr lang="en-US" b="1" dirty="0" smtClean="0"/>
+              <a:rPr lang="en-US" dirty="0" smtClean="0"/>
+            </a:br>
+            <a:r>
+              <a:rPr lang="en-US" dirty="0" smtClean="0"/>
+              <a:t/>
+            </a:r>
+            <a:br>
+              <a:rPr lang="en-US" dirty="0" smtClean="0"/>
             </a:br>
             <a:r>
               <a:rPr lang="en-US" b="1" dirty="0" smtClean="0"/>
@@ -3644,7 +3659,18 @@
           <a:p>
             <a:r>
               <a:rPr lang="en-US" sz="1500" dirty="0" smtClean="0"/>
-              <a:t>JPF= Java Pathfinder = model exploration tool.</a:t>
+              <a:t/>
+            </a:r>
+            <a:br>
+              <a:rPr lang="en-US" sz="1500" dirty="0" smtClean="0"/>
+            </a:br>
+            <a:r>
+              <a:rPr lang="en-US" sz="1500" dirty="0" smtClean="0"/>
+              <a:t>JPF</a:t>
+            </a:r>
+            <a:r>
+              <a:rPr lang="en-US" sz="1500" dirty="0" smtClean="0"/>
+              <a:t>= Java Pathfinder = model exploration tool.</a:t>
             </a:r>
           </a:p>
           <a:p>
@@ -3654,23 +3680,11 @@
             </a:r>
             <a:r>
               <a:rPr lang="en-US" sz="1500" dirty="0" smtClean="0"/>
-              <a:t>optimizers</a:t>
-            </a:r>
-            <a:r>
-              <a:rPr lang="en-US" sz="1500" dirty="0" smtClean="0"/>
-              <a:t>. </a:t>
-            </a:r>
-            <a:r>
-              <a:rPr lang="en-US" sz="1500" dirty="0" smtClean="0"/>
-              <a:t>Like a </a:t>
-            </a:r>
-            <a:r>
-              <a:rPr lang="en-US" sz="1500" dirty="0" smtClean="0"/>
-              <a:t>smart pilot controlling a craft</a:t>
-            </a:r>
-            <a:r>
-              <a:rPr lang="en-US" sz="1500" dirty="0" smtClean="0"/>
-              <a:t>.</a:t>
+              <a:t>optimizers=like </a:t>
+            </a:r>
+            <a:r>
+              <a:rPr lang="en-US" sz="1500" dirty="0" smtClean="0"/>
+              <a:t>a smart pilot controlling a craft.</a:t>
             </a:r>
             <a:br>
               <a:rPr lang="en-US" sz="1500" dirty="0" smtClean="0"/>
@@ -3704,11 +3718,7 @@
             </a:pPr>
             <a:r>
               <a:rPr lang="en-US" sz="1500" dirty="0" smtClean="0"/>
-              <a:t>Step3: Unleash JPF on regions accepted by Step2</a:t>
-            </a:r>
-            <a:r>
-              <a:rPr lang="en-US" sz="1500" dirty="0" smtClean="0"/>
-              <a:t>.</a:t>
+              <a:t>Step3: Unleash JPF on regions accepted by Step2.</a:t>
             </a:r>
           </a:p>
           <a:p>
@@ -3717,15 +3727,17 @@
           <a:p>
             <a:r>
               <a:rPr lang="en-US" sz="1500" dirty="0" smtClean="0"/>
-              <a:t> If JPF finds counter-examples, use GALE </a:t>
-            </a:r>
-            <a:br>
-              <a:rPr lang="en-US" sz="1500" dirty="0" smtClean="0"/>
-            </a:br>
-            <a:r>
-              <a:rPr lang="en-US" sz="1500" dirty="0" smtClean="0"/>
-              <a:t>to find mitigation strategies </a:t>
-            </a:r>
+              <a:t>If </a:t>
+            </a:r>
+            <a:r>
+              <a:rPr lang="en-US" sz="1500" dirty="0" smtClean="0"/>
+              <a:t>JPF finds </a:t>
+            </a:r>
+            <a:r>
+              <a:rPr lang="en-US" sz="1500" dirty="0" smtClean="0"/>
+              <a:t>problems, ask GALE for mitigations:   </a:t>
+            </a:r>
+            <a:endParaRPr lang="en-US" sz="1500" dirty="0" smtClean="0"/>
           </a:p>
           <a:p>
             <a:pPr marL="285750" indent="-285750">
@@ -3734,7 +3746,15 @@
             </a:pPr>
             <a:r>
               <a:rPr lang="en-US" sz="1500" dirty="0" smtClean="0"/>
-              <a:t>Step 4: run GALE with the constraint that it should strive to avoid counter-example states.</a:t>
+              <a:t>Step 4: run GALE with the constraint that it should strive to avoid </a:t>
+            </a:r>
+            <a:r>
+              <a:rPr lang="en-US" sz="1500" dirty="0" smtClean="0"/>
+              <a:t>JPF’s counter</a:t>
+            </a:r>
+            <a:r>
+              <a:rPr lang="en-US" sz="1500" dirty="0" smtClean="0"/>
+              <a:t>-example states.</a:t>
             </a:r>
             <a:endParaRPr lang="en-US" sz="1500" dirty="0"/>
           </a:p>
